--- a/2dpg_project_2nd.pptx
+++ b/2dpg_project_2nd.pptx
@@ -4441,6 +4441,13 @@
               </a:lnSpc>
             </a:pPr>
             <a:r>
+              <a:rPr lang="en-US" altLang="ko-KR" sz="1600" dirty="0">
+                <a:latin typeface="+mj-ea"/>
+                <a:ea typeface="+mj-ea"/>
+              </a:rPr>
+              <a:t>2020182010</a:t>
+            </a:r>
+            <a:r>
               <a:rPr lang="ko-KR" altLang="en-US" sz="1600" dirty="0">
                 <a:latin typeface="+mj-ea"/>
                 <a:ea typeface="+mj-ea"/>
@@ -4664,14 +4671,14 @@
             <p:ph idx="1"/>
             <p:extLst>
               <p:ext uri="{D42A27DB-BD31-4B8C-83A1-F6EECF244321}">
-                <p14:modId xmlns:p14="http://schemas.microsoft.com/office/powerpoint/2010/main" val="2826155828"/>
+                <p14:modId xmlns:p14="http://schemas.microsoft.com/office/powerpoint/2010/main" val="126631473"/>
               </p:ext>
             </p:extLst>
           </p:nvPr>
         </p:nvGraphicFramePr>
         <p:xfrm>
           <a:off x="1072529" y="2064350"/>
-          <a:ext cx="10052671" cy="3284546"/>
+          <a:ext cx="10052671" cy="3281128"/>
         </p:xfrm>
         <a:graphic>
           <a:graphicData uri="http://schemas.openxmlformats.org/drawingml/2006/table">
@@ -5196,6 +5203,36 @@
                     <a:p>
                       <a:pPr rtl="0"/>
                       <a:r>
+                        <a:rPr lang="en-US" altLang="ko-KR" sz="1400" cap="none" spc="0" noProof="0" dirty="0">
+                          <a:solidFill>
+                            <a:schemeClr val="tx1"/>
+                          </a:solidFill>
+                          <a:latin typeface="맑은 고딕" panose="020B0503020000020004" pitchFamily="50" charset="-127"/>
+                          <a:ea typeface="맑은 고딕" panose="020B0503020000020004" pitchFamily="50" charset="-127"/>
+                        </a:rPr>
+                        <a:t>(</a:t>
+                      </a:r>
+                      <a:r>
+                        <a:rPr lang="ko-KR" altLang="en-US" sz="1400" cap="none" spc="0" noProof="0" dirty="0">
+                          <a:solidFill>
+                            <a:schemeClr val="tx1"/>
+                          </a:solidFill>
+                          <a:latin typeface="맑은 고딕" panose="020B0503020000020004" pitchFamily="50" charset="-127"/>
+                          <a:ea typeface="맑은 고딕" panose="020B0503020000020004" pitchFamily="50" charset="-127"/>
+                        </a:rPr>
+                        <a:t>임시</a:t>
+                      </a:r>
+                      <a:r>
+                        <a:rPr lang="en-US" altLang="ko-KR" sz="1400" cap="none" spc="0" noProof="0" dirty="0">
+                          <a:solidFill>
+                            <a:schemeClr val="tx1"/>
+                          </a:solidFill>
+                          <a:latin typeface="맑은 고딕" panose="020B0503020000020004" pitchFamily="50" charset="-127"/>
+                          <a:ea typeface="맑은 고딕" panose="020B0503020000020004" pitchFamily="50" charset="-127"/>
+                        </a:rPr>
+                        <a:t>)</a:t>
+                      </a:r>
+                      <a:r>
                         <a:rPr lang="ko-KR" altLang="en-US" sz="1400" cap="none" spc="0" noProof="0" dirty="0">
                           <a:solidFill>
                             <a:schemeClr val="tx1"/>
@@ -5562,7 +5599,7 @@
                   </a:ext>
                 </a:extLst>
               </a:tr>
-              <a:tr h="518900">
+              <a:tr h="470874">
                 <a:tc>
                   <a:txBody>
                     <a:bodyPr/>
@@ -5577,7 +5614,7 @@
                           <a:latin typeface="맑은 고딕" panose="020B0503020000020004" pitchFamily="50" charset="-127"/>
                           <a:ea typeface="맑은 고딕" panose="020B0503020000020004" pitchFamily="50" charset="-127"/>
                         </a:rPr>
-                        <a:t>30%</a:t>
+                        <a:t>10%</a:t>
                       </a:r>
                       <a:endParaRPr lang="ko-KR" altLang="en-US" sz="1400" cap="none" spc="0" noProof="0" dirty="0">
                         <a:solidFill>
@@ -5615,6 +5652,16 @@
                     <a:p>
                       <a:pPr rtl="0"/>
                       <a:r>
+                        <a:rPr lang="en-US" altLang="ko-KR" sz="1400" cap="none" spc="0" noProof="0" dirty="0">
+                          <a:solidFill>
+                            <a:schemeClr val="tx1"/>
+                          </a:solidFill>
+                          <a:latin typeface="맑은 고딕" panose="020B0503020000020004" pitchFamily="50" charset="-127"/>
+                          <a:ea typeface="맑은 고딕" panose="020B0503020000020004" pitchFamily="50" charset="-127"/>
+                        </a:rPr>
+                        <a:t>3</a:t>
+                      </a:r>
+                      <a:r>
                         <a:rPr lang="en-US" altLang="ko-KR" sz="1400" cap="none" spc="0" noProof="0">
                           <a:solidFill>
                             <a:schemeClr val="tx1"/>
@@ -5622,7 +5669,17 @@
                           <a:latin typeface="맑은 고딕" panose="020B0503020000020004" pitchFamily="50" charset="-127"/>
                           <a:ea typeface="맑은 고딕" panose="020B0503020000020004" pitchFamily="50" charset="-127"/>
                         </a:rPr>
-                        <a:t>50%</a:t>
+                        <a:t>0</a:t>
+                      </a:r>
+                      <a:r>
+                        <a:rPr lang="en-US" altLang="ko-KR" sz="1400" cap="none" spc="0" noProof="0" dirty="0">
+                          <a:solidFill>
+                            <a:schemeClr val="tx1"/>
+                          </a:solidFill>
+                          <a:latin typeface="맑은 고딕" panose="020B0503020000020004" pitchFamily="50" charset="-127"/>
+                          <a:ea typeface="맑은 고딕" panose="020B0503020000020004" pitchFamily="50" charset="-127"/>
+                        </a:rPr>
+                        <a:t>%</a:t>
                       </a:r>
                       <a:endParaRPr lang="ko-KR" altLang="en-US" sz="1400" cap="none" spc="0" noProof="0" dirty="0">
                         <a:solidFill>
@@ -7070,15 +7127,6 @@
 </file>
 
 <file path=customXml/item2.xml><?xml version="1.0" encoding="utf-8"?>
-<?mso-contentType ?>
-<FormTemplates xmlns="http://schemas.microsoft.com/sharepoint/v3/contenttype/forms">
-  <Display>DocumentLibraryForm</Display>
-  <Edit>DocumentLibraryForm</Edit>
-  <New>DocumentLibraryForm</New>
-</FormTemplates>
-</file>
-
-<file path=customXml/item3.xml><?xml version="1.0" encoding="utf-8"?>
 <ct:contentTypeSchema xmlns:ct="http://schemas.microsoft.com/office/2006/metadata/contentType" xmlns:ma="http://schemas.microsoft.com/office/2006/metadata/properties/metaAttributes" ct:_="" ma:_="" ma:contentTypeName="Document" ma:contentTypeID="0x01010079F111ED35F8CC479449609E8A0923A6" ma:contentTypeVersion="12" ma:contentTypeDescription="Create a new document." ma:contentTypeScope="" ma:versionID="a410dd7f93c95333ffa1b60ed6adedd1">
   <xsd:schema xmlns:xsd="http://www.w3.org/2001/XMLSchema" xmlns:xs="http://www.w3.org/2001/XMLSchema" xmlns:p="http://schemas.microsoft.com/office/2006/metadata/properties" xmlns:ns2="71af3243-3dd4-4a8d-8c0d-dd76da1f02a5" xmlns:ns3="16c05727-aa75-4e4a-9b5f-8a80a1165891" targetNamespace="http://schemas.microsoft.com/office/2006/metadata/properties" ma:root="true" ma:fieldsID="a936d9baba76aa3866493feff160faab" ns2:_="" ns3:_="">
     <xsd:import namespace="71af3243-3dd4-4a8d-8c0d-dd76da1f02a5"/>
@@ -7299,6 +7347,15 @@
 </ct:contentTypeSchema>
 </file>
 
+<file path=customXml/item3.xml><?xml version="1.0" encoding="utf-8"?>
+<?mso-contentType ?>
+<FormTemplates xmlns="http://schemas.microsoft.com/sharepoint/v3/contenttype/forms">
+  <Display>DocumentLibraryForm</Display>
+  <Edit>DocumentLibraryForm</Edit>
+  <New>DocumentLibraryForm</New>
+</FormTemplates>
+</file>
+
 <file path=customXml/itemProps1.xml><?xml version="1.0" encoding="utf-8"?>
 <ds:datastoreItem xmlns:ds="http://schemas.openxmlformats.org/officeDocument/2006/customXml" ds:itemID="{A03EEFF0-FB57-4CB4-8BFC-DF397689E2ED}">
   <ds:schemaRefs>
@@ -7310,14 +7367,6 @@
 </file>
 
 <file path=customXml/itemProps2.xml><?xml version="1.0" encoding="utf-8"?>
-<ds:datastoreItem xmlns:ds="http://schemas.openxmlformats.org/officeDocument/2006/customXml" ds:itemID="{AA3F7EDC-E5B4-4BBC-9D2A-CBE6D46C37AD}">
-  <ds:schemaRefs>
-    <ds:schemaRef ds:uri="http://schemas.microsoft.com/sharepoint/v3/contenttype/forms"/>
-  </ds:schemaRefs>
-</ds:datastoreItem>
-</file>
-
-<file path=customXml/itemProps3.xml><?xml version="1.0" encoding="utf-8"?>
 <ds:datastoreItem xmlns:ds="http://schemas.openxmlformats.org/officeDocument/2006/customXml" ds:itemID="{93932EF5-314F-409E-8020-FEE5FA0795B9}">
   <ds:schemaRefs>
     <ds:schemaRef ds:uri="http://schemas.microsoft.com/office/2006/metadata/contentType"/>
@@ -7334,4 +7383,12 @@
     <ds:schemaRef ds:uri="http://schemas.microsoft.com/internal/obd"/>
   </ds:schemaRefs>
 </ds:datastoreItem>
+</file>
+
+<file path=customXml/itemProps3.xml><?xml version="1.0" encoding="utf-8"?>
+<ds:datastoreItem xmlns:ds="http://schemas.openxmlformats.org/officeDocument/2006/customXml" ds:itemID="{AA3F7EDC-E5B4-4BBC-9D2A-CBE6D46C37AD}">
+  <ds:schemaRefs>
+    <ds:schemaRef ds:uri="http://schemas.microsoft.com/sharepoint/v3/contenttype/forms"/>
+  </ds:schemaRefs>
+</ds:datastoreItem>
 </file>